--- a/2_ControlStatement/python_제어문.pptx
+++ b/2_ControlStatement/python_제어문.pptx
@@ -14,7 +14,11 @@
     <p:sldId id="263" r:id="rId8"/>
     <p:sldId id="264" r:id="rId9"/>
     <p:sldId id="265" r:id="rId10"/>
-    <p:sldId id="266" r:id="rId11"/>
+    <p:sldId id="267" r:id="rId11"/>
+    <p:sldId id="269" r:id="rId12"/>
+    <p:sldId id="270" r:id="rId13"/>
+    <p:sldId id="268" r:id="rId14"/>
+    <p:sldId id="271" r:id="rId15"/>
   </p:sldIdLst>
   <p:sldSz cx="12192000" cy="6858000"/>
   <p:notesSz cx="6858000" cy="9144000"/>
@@ -270,7 +274,7 @@
           <a:p>
             <a:fld id="{B9B3E1F4-D1EA-D646-888D-267464968912}" type="datetimeFigureOut">
               <a:rPr kumimoji="1" lang="ko-Kore-KR" altLang="en-US" smtClean="0"/>
-              <a:t>2022. 7. 2.</a:t>
+              <a:t>2022. 7. 3.</a:t>
             </a:fld>
             <a:endParaRPr kumimoji="1" lang="ko-Kore-KR" altLang="en-US"/>
           </a:p>
@@ -470,7 +474,7 @@
           <a:p>
             <a:fld id="{B9B3E1F4-D1EA-D646-888D-267464968912}" type="datetimeFigureOut">
               <a:rPr kumimoji="1" lang="ko-Kore-KR" altLang="en-US" smtClean="0"/>
-              <a:t>2022. 7. 2.</a:t>
+              <a:t>2022. 7. 3.</a:t>
             </a:fld>
             <a:endParaRPr kumimoji="1" lang="ko-Kore-KR" altLang="en-US"/>
           </a:p>
@@ -680,7 +684,7 @@
           <a:p>
             <a:fld id="{B9B3E1F4-D1EA-D646-888D-267464968912}" type="datetimeFigureOut">
               <a:rPr kumimoji="1" lang="ko-Kore-KR" altLang="en-US" smtClean="0"/>
-              <a:t>2022. 7. 2.</a:t>
+              <a:t>2022. 7. 3.</a:t>
             </a:fld>
             <a:endParaRPr kumimoji="1" lang="ko-Kore-KR" altLang="en-US"/>
           </a:p>
@@ -880,7 +884,7 @@
           <a:p>
             <a:fld id="{B9B3E1F4-D1EA-D646-888D-267464968912}" type="datetimeFigureOut">
               <a:rPr kumimoji="1" lang="ko-Kore-KR" altLang="en-US" smtClean="0"/>
-              <a:t>2022. 7. 2.</a:t>
+              <a:t>2022. 7. 3.</a:t>
             </a:fld>
             <a:endParaRPr kumimoji="1" lang="ko-Kore-KR" altLang="en-US"/>
           </a:p>
@@ -1156,7 +1160,7 @@
           <a:p>
             <a:fld id="{B9B3E1F4-D1EA-D646-888D-267464968912}" type="datetimeFigureOut">
               <a:rPr kumimoji="1" lang="ko-Kore-KR" altLang="en-US" smtClean="0"/>
-              <a:t>2022. 7. 2.</a:t>
+              <a:t>2022. 7. 3.</a:t>
             </a:fld>
             <a:endParaRPr kumimoji="1" lang="ko-Kore-KR" altLang="en-US"/>
           </a:p>
@@ -1424,7 +1428,7 @@
           <a:p>
             <a:fld id="{B9B3E1F4-D1EA-D646-888D-267464968912}" type="datetimeFigureOut">
               <a:rPr kumimoji="1" lang="ko-Kore-KR" altLang="en-US" smtClean="0"/>
-              <a:t>2022. 7. 2.</a:t>
+              <a:t>2022. 7. 3.</a:t>
             </a:fld>
             <a:endParaRPr kumimoji="1" lang="ko-Kore-KR" altLang="en-US"/>
           </a:p>
@@ -1839,7 +1843,7 @@
           <a:p>
             <a:fld id="{B9B3E1F4-D1EA-D646-888D-267464968912}" type="datetimeFigureOut">
               <a:rPr kumimoji="1" lang="ko-Kore-KR" altLang="en-US" smtClean="0"/>
-              <a:t>2022. 7. 2.</a:t>
+              <a:t>2022. 7. 3.</a:t>
             </a:fld>
             <a:endParaRPr kumimoji="1" lang="ko-Kore-KR" altLang="en-US"/>
           </a:p>
@@ -1981,7 +1985,7 @@
           <a:p>
             <a:fld id="{B9B3E1F4-D1EA-D646-888D-267464968912}" type="datetimeFigureOut">
               <a:rPr kumimoji="1" lang="ko-Kore-KR" altLang="en-US" smtClean="0"/>
-              <a:t>2022. 7. 2.</a:t>
+              <a:t>2022. 7. 3.</a:t>
             </a:fld>
             <a:endParaRPr kumimoji="1" lang="ko-Kore-KR" altLang="en-US"/>
           </a:p>
@@ -2094,7 +2098,7 @@
           <a:p>
             <a:fld id="{B9B3E1F4-D1EA-D646-888D-267464968912}" type="datetimeFigureOut">
               <a:rPr kumimoji="1" lang="ko-Kore-KR" altLang="en-US" smtClean="0"/>
-              <a:t>2022. 7. 2.</a:t>
+              <a:t>2022. 7. 3.</a:t>
             </a:fld>
             <a:endParaRPr kumimoji="1" lang="ko-Kore-KR" altLang="en-US"/>
           </a:p>
@@ -2407,7 +2411,7 @@
           <a:p>
             <a:fld id="{B9B3E1F4-D1EA-D646-888D-267464968912}" type="datetimeFigureOut">
               <a:rPr kumimoji="1" lang="ko-Kore-KR" altLang="en-US" smtClean="0"/>
-              <a:t>2022. 7. 2.</a:t>
+              <a:t>2022. 7. 3.</a:t>
             </a:fld>
             <a:endParaRPr kumimoji="1" lang="ko-Kore-KR" altLang="en-US"/>
           </a:p>
@@ -2696,7 +2700,7 @@
           <a:p>
             <a:fld id="{B9B3E1F4-D1EA-D646-888D-267464968912}" type="datetimeFigureOut">
               <a:rPr kumimoji="1" lang="ko-Kore-KR" altLang="en-US" smtClean="0"/>
-              <a:t>2022. 7. 2.</a:t>
+              <a:t>2022. 7. 3.</a:t>
             </a:fld>
             <a:endParaRPr kumimoji="1" lang="ko-Kore-KR" altLang="en-US"/>
           </a:p>
@@ -2939,7 +2943,7 @@
           <a:p>
             <a:fld id="{B9B3E1F4-D1EA-D646-888D-267464968912}" type="datetimeFigureOut">
               <a:rPr kumimoji="1" lang="ko-Kore-KR" altLang="en-US" smtClean="0"/>
-              <a:t>2022. 7. 2.</a:t>
+              <a:t>2022. 7. 3.</a:t>
             </a:fld>
             <a:endParaRPr kumimoji="1" lang="ko-Kore-KR" altLang="en-US"/>
           </a:p>
@@ -3528,31 +3532,2138 @@
             </a:pPr>
             <a:r>
               <a:rPr kumimoji="1" lang="ko-KR" altLang="en-US" dirty="0"/>
-              <a:t>조건이 </a:t>
+              <a:t>시퀀스 데이터를 순서대로 수행하는 명령</a:t>
+            </a:r>
+            <a:endParaRPr kumimoji="1" lang="en-US" altLang="ko-KR" dirty="0"/>
+          </a:p>
+          <a:p>
+            <a:pPr marL="971550" lvl="1" indent="-514350">
+              <a:buFont typeface="+mj-lt"/>
+              <a:buAutoNum type="arabicPeriod"/>
+            </a:pPr>
+            <a:endParaRPr kumimoji="1" lang="en-US" altLang="ko-KR" dirty="0"/>
+          </a:p>
+          <a:p>
+            <a:pPr marL="971550" lvl="1" indent="-514350">
+              <a:buFont typeface="+mj-lt"/>
+              <a:buAutoNum type="arabicPeriod"/>
+            </a:pPr>
+            <a:r>
+              <a:rPr kumimoji="1" lang="en-US" altLang="ko-KR" dirty="0"/>
+              <a:t>while</a:t>
+            </a:r>
+            <a:r>
+              <a:rPr kumimoji="1" lang="ko-KR" altLang="en-US" dirty="0"/>
+              <a:t>문과 다르게 시퀀스 데이터를 탐색하여 순서대로 수행하는 반복문이다</a:t>
+            </a:r>
+            <a:r>
+              <a:rPr kumimoji="1" lang="en-US" altLang="ko-KR" dirty="0"/>
+              <a:t>.</a:t>
+            </a:r>
+          </a:p>
+          <a:p>
+            <a:pPr marL="971550" lvl="1" indent="-514350">
+              <a:buFont typeface="+mj-lt"/>
+              <a:buAutoNum type="arabicPeriod"/>
+            </a:pPr>
+            <a:endParaRPr kumimoji="1" lang="en-US" altLang="ko-KR" dirty="0"/>
+          </a:p>
+          <a:p>
+            <a:pPr marL="971550" lvl="1" indent="-514350">
+              <a:buFont typeface="+mj-lt"/>
+              <a:buAutoNum type="arabicPeriod"/>
+            </a:pPr>
+            <a:r>
+              <a:rPr kumimoji="1" lang="en-US" altLang="ko-KR" dirty="0"/>
+              <a:t>while</a:t>
+            </a:r>
+            <a:r>
+              <a:rPr kumimoji="1" lang="ko-KR" altLang="en-US" dirty="0"/>
+              <a:t>과 동일하게 </a:t>
+            </a:r>
+            <a:r>
+              <a:rPr kumimoji="1" lang="en-US" altLang="ko-KR" dirty="0"/>
+              <a:t>break</a:t>
+            </a:r>
+            <a:r>
+              <a:rPr kumimoji="1" lang="ko-KR" altLang="en-US" dirty="0"/>
+              <a:t>와 </a:t>
+            </a:r>
+            <a:r>
+              <a:rPr kumimoji="1" lang="en-US" altLang="ko-KR" dirty="0"/>
+              <a:t>continue</a:t>
+            </a:r>
+            <a:r>
+              <a:rPr kumimoji="1" lang="ko-KR" altLang="en-US" dirty="0"/>
+              <a:t> 명령을 사용할 수 있다</a:t>
+            </a:r>
+            <a:r>
+              <a:rPr kumimoji="1" lang="en-US" altLang="ko-KR" dirty="0"/>
+              <a:t>.</a:t>
+            </a:r>
+          </a:p>
+          <a:p>
+            <a:pPr marL="971550" lvl="1" indent="-514350">
+              <a:buFont typeface="+mj-lt"/>
+              <a:buAutoNum type="arabicPeriod"/>
+            </a:pPr>
+            <a:endParaRPr kumimoji="1" lang="en-US" altLang="ko-KR" dirty="0"/>
+          </a:p>
+          <a:p>
+            <a:pPr marL="971550" lvl="1" indent="-514350">
+              <a:buFont typeface="+mj-lt"/>
+              <a:buAutoNum type="arabicPeriod"/>
+            </a:pPr>
+            <a:endParaRPr kumimoji="1" lang="en-US" altLang="ko-KR" dirty="0"/>
+          </a:p>
+        </p:txBody>
+      </p:sp>
+      <p:pic>
+        <p:nvPicPr>
+          <p:cNvPr id="2" name="그림 1">
+            <a:extLst>
+              <a:ext uri="{FF2B5EF4-FFF2-40B4-BE49-F238E27FC236}">
+                <a16:creationId xmlns:a16="http://schemas.microsoft.com/office/drawing/2014/main" id="{34D36029-D313-7AF8-0C1B-EFBF3FD46842}"/>
+              </a:ext>
+            </a:extLst>
+          </p:cNvPr>
+          <p:cNvPicPr>
+            <a:picLocks noChangeAspect="1"/>
+          </p:cNvPicPr>
+          <p:nvPr/>
+        </p:nvPicPr>
+        <p:blipFill>
+          <a:blip r:embed="rId2"/>
+          <a:stretch>
+            <a:fillRect/>
+          </a:stretch>
+        </p:blipFill>
+        <p:spPr>
+          <a:xfrm>
+            <a:off x="1183027" y="3811651"/>
+            <a:ext cx="4778718" cy="1785257"/>
+          </a:xfrm>
+          <a:prstGeom prst="rect">
+            <a:avLst/>
+          </a:prstGeom>
+        </p:spPr>
+      </p:pic>
+      <p:pic>
+        <p:nvPicPr>
+          <p:cNvPr id="4" name="그림 3">
+            <a:extLst>
+              <a:ext uri="{FF2B5EF4-FFF2-40B4-BE49-F238E27FC236}">
+                <a16:creationId xmlns:a16="http://schemas.microsoft.com/office/drawing/2014/main" id="{2965B410-17A1-E40C-8473-4B63CA360956}"/>
+              </a:ext>
+            </a:extLst>
+          </p:cNvPr>
+          <p:cNvPicPr>
+            <a:picLocks noChangeAspect="1"/>
+          </p:cNvPicPr>
+          <p:nvPr/>
+        </p:nvPicPr>
+        <p:blipFill>
+          <a:blip r:embed="rId3"/>
+          <a:stretch>
+            <a:fillRect/>
+          </a:stretch>
+        </p:blipFill>
+        <p:spPr>
+          <a:xfrm>
+            <a:off x="6197600" y="3811651"/>
+            <a:ext cx="2540000" cy="1155700"/>
+          </a:xfrm>
+          <a:prstGeom prst="rect">
+            <a:avLst/>
+          </a:prstGeom>
+        </p:spPr>
+      </p:pic>
+      <p:pic>
+        <p:nvPicPr>
+          <p:cNvPr id="5" name="그림 4">
+            <a:extLst>
+              <a:ext uri="{FF2B5EF4-FFF2-40B4-BE49-F238E27FC236}">
+                <a16:creationId xmlns:a16="http://schemas.microsoft.com/office/drawing/2014/main" id="{4460DB14-D6B9-E186-D3E8-6F2BB4C351BB}"/>
+              </a:ext>
+            </a:extLst>
+          </p:cNvPr>
+          <p:cNvPicPr>
+            <a:picLocks noChangeAspect="1"/>
+          </p:cNvPicPr>
+          <p:nvPr/>
+        </p:nvPicPr>
+        <p:blipFill>
+          <a:blip r:embed="rId4"/>
+          <a:stretch>
+            <a:fillRect/>
+          </a:stretch>
+        </p:blipFill>
+        <p:spPr>
+          <a:xfrm>
+            <a:off x="9539512" y="3811651"/>
+            <a:ext cx="342900" cy="1625600"/>
+          </a:xfrm>
+          <a:prstGeom prst="rect">
+            <a:avLst/>
+          </a:prstGeom>
+        </p:spPr>
+      </p:pic>
+      <p:sp>
+        <p:nvSpPr>
+          <p:cNvPr id="6" name="TextBox 5">
+            <a:extLst>
+              <a:ext uri="{FF2B5EF4-FFF2-40B4-BE49-F238E27FC236}">
+                <a16:creationId xmlns:a16="http://schemas.microsoft.com/office/drawing/2014/main" id="{BD8AD8A9-4E11-9AA6-797F-509D3EBE8116}"/>
+              </a:ext>
+            </a:extLst>
+          </p:cNvPr>
+          <p:cNvSpPr txBox="1"/>
+          <p:nvPr/>
+        </p:nvSpPr>
+        <p:spPr>
+          <a:xfrm>
+            <a:off x="6117772" y="5091342"/>
+            <a:ext cx="2826657" cy="646331"/>
+          </a:xfrm>
+          <a:prstGeom prst="rect">
+            <a:avLst/>
+          </a:prstGeom>
+          <a:noFill/>
+        </p:spPr>
+        <p:txBody>
+          <a:bodyPr wrap="square" rtlCol="0">
+            <a:spAutoFit/>
+          </a:bodyPr>
+          <a:lstStyle/>
+          <a:p>
+            <a:r>
+              <a:rPr kumimoji="1" lang="ko-KR" altLang="en-US" dirty="0"/>
+              <a:t>순차적으로 </a:t>
+            </a:r>
+            <a:r>
+              <a:rPr kumimoji="1" lang="en-US" altLang="ko-KR" dirty="0"/>
+              <a:t>a</a:t>
+            </a:r>
+            <a:r>
+              <a:rPr kumimoji="1" lang="ko-KR" altLang="en-US" dirty="0"/>
+              <a:t>의 </a:t>
             </a:r>
             <a:r>
               <a:rPr kumimoji="1" lang="ko-KR" altLang="en-US" dirty="0" err="1"/>
-              <a:t>참일경우</a:t>
-            </a:r>
-            <a:r>
-              <a:rPr kumimoji="1" lang="ko-KR" altLang="en-US" dirty="0"/>
-              <a:t> 특정 명령을 반복하기 위한 명령</a:t>
-            </a:r>
-            <a:endParaRPr kumimoji="1" lang="en-US" altLang="ko-KR" dirty="0"/>
-          </a:p>
-          <a:p>
-            <a:pPr marL="971550" lvl="1" indent="-514350">
-              <a:buFont typeface="+mj-lt"/>
-              <a:buAutoNum type="arabicPeriod"/>
-            </a:pPr>
-            <a:endParaRPr kumimoji="1" lang="en-US" altLang="ko-KR" dirty="0"/>
+              <a:t>원소값을</a:t>
+            </a:r>
+            <a:r>
+              <a:rPr kumimoji="1" lang="ko-KR" altLang="en-US" dirty="0"/>
+              <a:t> </a:t>
+            </a:r>
+            <a:endParaRPr kumimoji="1" lang="en-US" altLang="ko-KR" dirty="0"/>
+          </a:p>
+          <a:p>
+            <a:r>
+              <a:rPr kumimoji="1" lang="en-US" altLang="ko-KR" dirty="0" err="1"/>
+              <a:t>i</a:t>
+            </a:r>
+            <a:r>
+              <a:rPr kumimoji="1" lang="ko-KR" altLang="en-US" dirty="0"/>
+              <a:t>에 할당한다</a:t>
+            </a:r>
+            <a:endParaRPr kumimoji="1" lang="ko-Kore-KR" altLang="en-US" dirty="0"/>
           </a:p>
         </p:txBody>
       </p:sp>
     </p:spTree>
     <p:extLst>
       <p:ext uri="{BB962C8B-B14F-4D97-AF65-F5344CB8AC3E}">
-        <p14:creationId xmlns:p14="http://schemas.microsoft.com/office/powerpoint/2010/main" val="4200108792"/>
+        <p14:creationId xmlns:p14="http://schemas.microsoft.com/office/powerpoint/2010/main" val="945998241"/>
+      </p:ext>
+    </p:extLst>
+  </p:cSld>
+  <p:clrMapOvr>
+    <a:masterClrMapping/>
+  </p:clrMapOvr>
+</p:sld>
+</file>
+
+<file path=ppt/slides/slide11.xml><?xml version="1.0" encoding="utf-8"?>
+<p:sld xmlns:a="http://schemas.openxmlformats.org/drawingml/2006/main" xmlns:r="http://schemas.openxmlformats.org/officeDocument/2006/relationships" xmlns:p="http://schemas.openxmlformats.org/presentationml/2006/main">
+  <p:cSld>
+    <p:spTree>
+      <p:nvGrpSpPr>
+        <p:cNvPr id="1" name=""/>
+        <p:cNvGrpSpPr/>
+        <p:nvPr/>
+      </p:nvGrpSpPr>
+      <p:grpSpPr>
+        <a:xfrm>
+          <a:off x="0" y="0"/>
+          <a:ext cx="0" cy="0"/>
+          <a:chOff x="0" y="0"/>
+          <a:chExt cx="0" cy="0"/>
+        </a:xfrm>
+      </p:grpSpPr>
+      <p:sp>
+        <p:nvSpPr>
+          <p:cNvPr id="3" name="내용 개체 틀 2">
+            <a:extLst>
+              <a:ext uri="{FF2B5EF4-FFF2-40B4-BE49-F238E27FC236}">
+                <a16:creationId xmlns:a16="http://schemas.microsoft.com/office/drawing/2014/main" id="{AAEBCB33-4BF9-55BB-C098-6E2D866DBD93}"/>
+              </a:ext>
+            </a:extLst>
+          </p:cNvPr>
+          <p:cNvSpPr>
+            <a:spLocks noGrp="1"/>
+          </p:cNvSpPr>
+          <p:nvPr>
+            <p:ph idx="1"/>
+          </p:nvPr>
+        </p:nvSpPr>
+        <p:spPr>
+          <a:xfrm>
+            <a:off x="451574" y="472543"/>
+            <a:ext cx="11300614" cy="6222830"/>
+          </a:xfrm>
+        </p:spPr>
+        <p:txBody>
+          <a:bodyPr/>
+          <a:lstStyle/>
+          <a:p>
+            <a:pPr marL="514350" indent="-514350">
+              <a:buFont typeface="+mj-lt"/>
+              <a:buAutoNum type="arabicPeriod" startAt="2"/>
+            </a:pPr>
+            <a:r>
+              <a:rPr kumimoji="1" lang="ko-KR" altLang="en-US" dirty="0" err="1"/>
+              <a:t>반복문</a:t>
+            </a:r>
+            <a:r>
+              <a:rPr kumimoji="1" lang="ko-KR" altLang="en-US" dirty="0"/>
+              <a:t> </a:t>
+            </a:r>
+            <a:r>
+              <a:rPr kumimoji="1" lang="en-US" altLang="ko-KR" dirty="0"/>
+              <a:t>for - list</a:t>
+            </a:r>
+          </a:p>
+          <a:p>
+            <a:pPr marL="514350" indent="-514350">
+              <a:buFont typeface="+mj-lt"/>
+              <a:buAutoNum type="arabicPeriod" startAt="2"/>
+            </a:pPr>
+            <a:endParaRPr kumimoji="1" lang="en-US" altLang="ko-KR" dirty="0"/>
+          </a:p>
+          <a:p>
+            <a:pPr marL="971550" lvl="1" indent="-514350">
+              <a:buFont typeface="+mj-lt"/>
+              <a:buAutoNum type="arabicPeriod"/>
+            </a:pPr>
+            <a:r>
+              <a:rPr kumimoji="1" lang="en-US" altLang="ko-KR" dirty="0"/>
+              <a:t>for</a:t>
+            </a:r>
+            <a:r>
+              <a:rPr kumimoji="1" lang="ko-KR" altLang="en-US" dirty="0"/>
+              <a:t>문을 이용해 리스트 자료형을 사용 하는 방법</a:t>
+            </a:r>
+            <a:endParaRPr kumimoji="1" lang="en-US" altLang="ko-KR" dirty="0"/>
+          </a:p>
+          <a:p>
+            <a:pPr marL="971550" lvl="1" indent="-514350">
+              <a:buFont typeface="+mj-lt"/>
+              <a:buAutoNum type="arabicPeriod"/>
+            </a:pPr>
+            <a:endParaRPr kumimoji="1" lang="en-US" altLang="ko-KR" dirty="0"/>
+          </a:p>
+        </p:txBody>
+      </p:sp>
+      <p:sp>
+        <p:nvSpPr>
+          <p:cNvPr id="7" name="TextBox 6">
+            <a:extLst>
+              <a:ext uri="{FF2B5EF4-FFF2-40B4-BE49-F238E27FC236}">
+                <a16:creationId xmlns:a16="http://schemas.microsoft.com/office/drawing/2014/main" id="{FD8C0486-40D7-6B75-28EB-265D0716BDD4}"/>
+              </a:ext>
+            </a:extLst>
+          </p:cNvPr>
+          <p:cNvSpPr txBox="1"/>
+          <p:nvPr/>
+        </p:nvSpPr>
+        <p:spPr>
+          <a:xfrm>
+            <a:off x="1082222" y="2424497"/>
+            <a:ext cx="2231571" cy="369332"/>
+          </a:xfrm>
+          <a:prstGeom prst="rect">
+            <a:avLst/>
+          </a:prstGeom>
+          <a:noFill/>
+        </p:spPr>
+        <p:txBody>
+          <a:bodyPr wrap="square" rtlCol="0">
+            <a:spAutoFit/>
+          </a:bodyPr>
+          <a:lstStyle/>
+          <a:p>
+            <a:r>
+              <a:rPr kumimoji="1" lang="ko-Kore-KR" altLang="en-US" dirty="0"/>
+              <a:t>리스트의</a:t>
+            </a:r>
+            <a:r>
+              <a:rPr kumimoji="1" lang="ko-KR" altLang="en-US" dirty="0"/>
+              <a:t> 원소 출력</a:t>
+            </a:r>
+            <a:endParaRPr kumimoji="1" lang="en-US" altLang="ko-KR" dirty="0"/>
+          </a:p>
+        </p:txBody>
+      </p:sp>
+      <p:sp>
+        <p:nvSpPr>
+          <p:cNvPr id="8" name="TextBox 7">
+            <a:extLst>
+              <a:ext uri="{FF2B5EF4-FFF2-40B4-BE49-F238E27FC236}">
+                <a16:creationId xmlns:a16="http://schemas.microsoft.com/office/drawing/2014/main" id="{DB3AB8B8-C8B0-07B0-E256-3EBBC06D6B4F}"/>
+              </a:ext>
+            </a:extLst>
+          </p:cNvPr>
+          <p:cNvSpPr txBox="1"/>
+          <p:nvPr/>
+        </p:nvSpPr>
+        <p:spPr>
+          <a:xfrm>
+            <a:off x="6142794" y="2470664"/>
+            <a:ext cx="2775857" cy="646331"/>
+          </a:xfrm>
+          <a:prstGeom prst="rect">
+            <a:avLst/>
+          </a:prstGeom>
+          <a:noFill/>
+        </p:spPr>
+        <p:txBody>
+          <a:bodyPr wrap="square" rtlCol="0">
+            <a:spAutoFit/>
+          </a:bodyPr>
+          <a:lstStyle/>
+          <a:p>
+            <a:r>
+              <a:rPr kumimoji="1" lang="ko-Kore-KR" altLang="en-US" dirty="0"/>
+              <a:t>리스트의</a:t>
+            </a:r>
+            <a:r>
+              <a:rPr kumimoji="1" lang="ko-KR" altLang="en-US" dirty="0"/>
+              <a:t> 원소와 원소에 해당하는 인덱스 출력</a:t>
+            </a:r>
+            <a:endParaRPr kumimoji="1" lang="en-US" altLang="ko-KR" dirty="0"/>
+          </a:p>
+        </p:txBody>
+      </p:sp>
+      <p:pic>
+        <p:nvPicPr>
+          <p:cNvPr id="9" name="그림 8">
+            <a:extLst>
+              <a:ext uri="{FF2B5EF4-FFF2-40B4-BE49-F238E27FC236}">
+                <a16:creationId xmlns:a16="http://schemas.microsoft.com/office/drawing/2014/main" id="{13B7AFF2-8582-5724-117A-44E080997567}"/>
+              </a:ext>
+            </a:extLst>
+          </p:cNvPr>
+          <p:cNvPicPr>
+            <a:picLocks noChangeAspect="1"/>
+          </p:cNvPicPr>
+          <p:nvPr/>
+        </p:nvPicPr>
+        <p:blipFill>
+          <a:blip r:embed="rId2"/>
+          <a:stretch>
+            <a:fillRect/>
+          </a:stretch>
+        </p:blipFill>
+        <p:spPr>
+          <a:xfrm>
+            <a:off x="1082222" y="3148570"/>
+            <a:ext cx="2578100" cy="1054100"/>
+          </a:xfrm>
+          <a:prstGeom prst="rect">
+            <a:avLst/>
+          </a:prstGeom>
+        </p:spPr>
+      </p:pic>
+      <p:pic>
+        <p:nvPicPr>
+          <p:cNvPr id="10" name="그림 9">
+            <a:extLst>
+              <a:ext uri="{FF2B5EF4-FFF2-40B4-BE49-F238E27FC236}">
+                <a16:creationId xmlns:a16="http://schemas.microsoft.com/office/drawing/2014/main" id="{CA2F2AF1-B4CB-E994-099D-55E729423B51}"/>
+              </a:ext>
+            </a:extLst>
+          </p:cNvPr>
+          <p:cNvPicPr>
+            <a:picLocks noChangeAspect="1"/>
+          </p:cNvPicPr>
+          <p:nvPr/>
+        </p:nvPicPr>
+        <p:blipFill>
+          <a:blip r:embed="rId3"/>
+          <a:stretch>
+            <a:fillRect/>
+          </a:stretch>
+        </p:blipFill>
+        <p:spPr>
+          <a:xfrm>
+            <a:off x="4283170" y="3148570"/>
+            <a:ext cx="368300" cy="1701800"/>
+          </a:xfrm>
+          <a:prstGeom prst="rect">
+            <a:avLst/>
+          </a:prstGeom>
+        </p:spPr>
+      </p:pic>
+      <p:pic>
+        <p:nvPicPr>
+          <p:cNvPr id="11" name="그림 10">
+            <a:extLst>
+              <a:ext uri="{FF2B5EF4-FFF2-40B4-BE49-F238E27FC236}">
+                <a16:creationId xmlns:a16="http://schemas.microsoft.com/office/drawing/2014/main" id="{54301AD5-5C47-56FC-2E00-D9A48EB6A1CF}"/>
+              </a:ext>
+            </a:extLst>
+          </p:cNvPr>
+          <p:cNvPicPr>
+            <a:picLocks noChangeAspect="1"/>
+          </p:cNvPicPr>
+          <p:nvPr/>
+        </p:nvPicPr>
+        <p:blipFill>
+          <a:blip r:embed="rId4"/>
+          <a:stretch>
+            <a:fillRect/>
+          </a:stretch>
+        </p:blipFill>
+        <p:spPr>
+          <a:xfrm>
+            <a:off x="10530710" y="3301325"/>
+            <a:ext cx="457200" cy="1600200"/>
+          </a:xfrm>
+          <a:prstGeom prst="rect">
+            <a:avLst/>
+          </a:prstGeom>
+        </p:spPr>
+      </p:pic>
+      <p:pic>
+        <p:nvPicPr>
+          <p:cNvPr id="12" name="그림 11">
+            <a:extLst>
+              <a:ext uri="{FF2B5EF4-FFF2-40B4-BE49-F238E27FC236}">
+                <a16:creationId xmlns:a16="http://schemas.microsoft.com/office/drawing/2014/main" id="{17241178-DDA9-3338-5212-6E9E00B5EA28}"/>
+              </a:ext>
+            </a:extLst>
+          </p:cNvPr>
+          <p:cNvPicPr>
+            <a:picLocks noChangeAspect="1"/>
+          </p:cNvPicPr>
+          <p:nvPr/>
+        </p:nvPicPr>
+        <p:blipFill>
+          <a:blip r:embed="rId5"/>
+          <a:stretch>
+            <a:fillRect/>
+          </a:stretch>
+        </p:blipFill>
+        <p:spPr>
+          <a:xfrm>
+            <a:off x="6142794" y="3267884"/>
+            <a:ext cx="3683000" cy="1092200"/>
+          </a:xfrm>
+          <a:prstGeom prst="rect">
+            <a:avLst/>
+          </a:prstGeom>
+        </p:spPr>
+      </p:pic>
+      <p:sp>
+        <p:nvSpPr>
+          <p:cNvPr id="13" name="타원 12">
+            <a:extLst>
+              <a:ext uri="{FF2B5EF4-FFF2-40B4-BE49-F238E27FC236}">
+                <a16:creationId xmlns:a16="http://schemas.microsoft.com/office/drawing/2014/main" id="{111B790A-E11F-88A5-1825-0F74684F8B22}"/>
+              </a:ext>
+            </a:extLst>
+          </p:cNvPr>
+          <p:cNvSpPr/>
+          <p:nvPr/>
+        </p:nvSpPr>
+        <p:spPr>
+          <a:xfrm>
+            <a:off x="6765642" y="3722914"/>
+            <a:ext cx="664029" cy="373457"/>
+          </a:xfrm>
+          <a:prstGeom prst="ellipse">
+            <a:avLst/>
+          </a:prstGeom>
+          <a:noFill/>
+          <a:ln w="28575">
+            <a:solidFill>
+              <a:srgbClr val="FF0000"/>
+            </a:solidFill>
+          </a:ln>
+        </p:spPr>
+        <p:style>
+          <a:lnRef idx="2">
+            <a:schemeClr val="accent1">
+              <a:shade val="50000"/>
+            </a:schemeClr>
+          </a:lnRef>
+          <a:fillRef idx="1">
+            <a:schemeClr val="accent1"/>
+          </a:fillRef>
+          <a:effectRef idx="0">
+            <a:schemeClr val="accent1"/>
+          </a:effectRef>
+          <a:fontRef idx="minor">
+            <a:schemeClr val="lt1"/>
+          </a:fontRef>
+        </p:style>
+        <p:txBody>
+          <a:bodyPr rtlCol="0" anchor="ctr"/>
+          <a:lstStyle/>
+          <a:p>
+            <a:pPr algn="ctr"/>
+            <a:endParaRPr kumimoji="1" lang="ko-Kore-KR" altLang="en-US"/>
+          </a:p>
+        </p:txBody>
+      </p:sp>
+      <p:cxnSp>
+        <p:nvCxnSpPr>
+          <p:cNvPr id="15" name="직선 화살표 연결선 14">
+            <a:extLst>
+              <a:ext uri="{FF2B5EF4-FFF2-40B4-BE49-F238E27FC236}">
+                <a16:creationId xmlns:a16="http://schemas.microsoft.com/office/drawing/2014/main" id="{4CA56152-7214-0A67-A8EB-D384BAC1E137}"/>
+              </a:ext>
+            </a:extLst>
+          </p:cNvPr>
+          <p:cNvCxnSpPr>
+            <a:cxnSpLocks/>
+          </p:cNvCxnSpPr>
+          <p:nvPr/>
+        </p:nvCxnSpPr>
+        <p:spPr>
+          <a:xfrm>
+            <a:off x="6765642" y="3914554"/>
+            <a:ext cx="0" cy="953530"/>
+          </a:xfrm>
+          <a:prstGeom prst="straightConnector1">
+            <a:avLst/>
+          </a:prstGeom>
+          <a:ln w="28575">
+            <a:solidFill>
+              <a:srgbClr val="FF0000"/>
+            </a:solidFill>
+            <a:tailEnd type="triangle"/>
+          </a:ln>
+        </p:spPr>
+        <p:style>
+          <a:lnRef idx="1">
+            <a:schemeClr val="accent1"/>
+          </a:lnRef>
+          <a:fillRef idx="0">
+            <a:schemeClr val="accent1"/>
+          </a:fillRef>
+          <a:effectRef idx="0">
+            <a:schemeClr val="accent1"/>
+          </a:effectRef>
+          <a:fontRef idx="minor">
+            <a:schemeClr val="tx1"/>
+          </a:fontRef>
+        </p:style>
+      </p:cxnSp>
+      <p:sp>
+        <p:nvSpPr>
+          <p:cNvPr id="18" name="TextBox 17">
+            <a:extLst>
+              <a:ext uri="{FF2B5EF4-FFF2-40B4-BE49-F238E27FC236}">
+                <a16:creationId xmlns:a16="http://schemas.microsoft.com/office/drawing/2014/main" id="{07517997-E4CB-00D1-EB15-B64B2A34F980}"/>
+              </a:ext>
+            </a:extLst>
+          </p:cNvPr>
+          <p:cNvSpPr txBox="1"/>
+          <p:nvPr/>
+        </p:nvSpPr>
+        <p:spPr>
+          <a:xfrm>
+            <a:off x="5938911" y="4868084"/>
+            <a:ext cx="4794403" cy="1477328"/>
+          </a:xfrm>
+          <a:prstGeom prst="rect">
+            <a:avLst/>
+          </a:prstGeom>
+          <a:noFill/>
+        </p:spPr>
+        <p:txBody>
+          <a:bodyPr wrap="square" rtlCol="0">
+            <a:spAutoFit/>
+          </a:bodyPr>
+          <a:lstStyle/>
+          <a:p>
+            <a:r>
+              <a:rPr kumimoji="1" lang="en-US" altLang="ko-Kore-KR" dirty="0"/>
+              <a:t>enumerate</a:t>
+            </a:r>
+            <a:r>
+              <a:rPr kumimoji="1" lang="ko-KR" altLang="en-US" dirty="0"/>
+              <a:t> 함수는 인자로 주어진 리스트를 </a:t>
+            </a:r>
+            <a:r>
+              <a:rPr kumimoji="1" lang="en-US" altLang="ko-KR" dirty="0"/>
+              <a:t>(</a:t>
+            </a:r>
+            <a:r>
+              <a:rPr kumimoji="1" lang="ko-KR" altLang="en-US" dirty="0"/>
+              <a:t>인덱스</a:t>
+            </a:r>
+            <a:r>
+              <a:rPr kumimoji="1" lang="en-US" altLang="ko-KR" dirty="0"/>
+              <a:t>,</a:t>
+            </a:r>
+            <a:r>
+              <a:rPr kumimoji="1" lang="ko-KR" altLang="en-US" dirty="0"/>
+              <a:t> </a:t>
+            </a:r>
+            <a:r>
+              <a:rPr kumimoji="1" lang="ko-KR" altLang="en-US" dirty="0" err="1"/>
+              <a:t>원소값</a:t>
+            </a:r>
+            <a:r>
+              <a:rPr kumimoji="1" lang="en-US" altLang="ko-KR" dirty="0"/>
+              <a:t>)</a:t>
+            </a:r>
+            <a:r>
+              <a:rPr kumimoji="1" lang="ko-KR" altLang="en-US" dirty="0"/>
+              <a:t> 형식의 </a:t>
+            </a:r>
+            <a:r>
+              <a:rPr kumimoji="1" lang="ko-KR" altLang="en-US" dirty="0" err="1"/>
+              <a:t>튜플</a:t>
+            </a:r>
+            <a:r>
+              <a:rPr kumimoji="1" lang="ko-KR" altLang="en-US" dirty="0"/>
+              <a:t> </a:t>
+            </a:r>
+            <a:r>
+              <a:rPr kumimoji="1" lang="ko-KR" altLang="en-US" dirty="0" err="1"/>
+              <a:t>원소값을</a:t>
+            </a:r>
+            <a:r>
+              <a:rPr kumimoji="1" lang="ko-KR" altLang="en-US" dirty="0"/>
+              <a:t> 리스트로 반환한다</a:t>
+            </a:r>
+            <a:r>
+              <a:rPr kumimoji="1" lang="en-US" altLang="ko-KR" dirty="0"/>
+              <a:t>.</a:t>
+            </a:r>
+            <a:r>
+              <a:rPr kumimoji="1" lang="ko-KR" altLang="en-US" dirty="0"/>
+              <a:t> 그렇기 때문에 반환되는 </a:t>
+            </a:r>
+            <a:r>
+              <a:rPr kumimoji="1" lang="ko-KR" altLang="en-US" dirty="0" err="1"/>
+              <a:t>튜플</a:t>
+            </a:r>
+            <a:r>
+              <a:rPr kumimoji="1" lang="ko-KR" altLang="en-US" dirty="0"/>
+              <a:t> 형식의 </a:t>
+            </a:r>
+            <a:r>
+              <a:rPr kumimoji="1" lang="en-US" altLang="ko-KR" dirty="0"/>
+              <a:t>2</a:t>
+            </a:r>
+            <a:r>
+              <a:rPr kumimoji="1" lang="ko-KR" altLang="en-US" dirty="0"/>
+              <a:t>개의 값을 저장해주기 위해 변수를 두개 할당 해야 한다</a:t>
+            </a:r>
+            <a:r>
+              <a:rPr kumimoji="1" lang="en-US" altLang="ko-KR" dirty="0"/>
+              <a:t>.</a:t>
+            </a:r>
+            <a:endParaRPr kumimoji="1" lang="ko-Kore-KR" altLang="en-US" dirty="0"/>
+          </a:p>
+        </p:txBody>
+      </p:sp>
+    </p:spTree>
+    <p:extLst>
+      <p:ext uri="{BB962C8B-B14F-4D97-AF65-F5344CB8AC3E}">
+        <p14:creationId xmlns:p14="http://schemas.microsoft.com/office/powerpoint/2010/main" val="3682379290"/>
+      </p:ext>
+    </p:extLst>
+  </p:cSld>
+  <p:clrMapOvr>
+    <a:masterClrMapping/>
+  </p:clrMapOvr>
+</p:sld>
+</file>
+
+<file path=ppt/slides/slide12.xml><?xml version="1.0" encoding="utf-8"?>
+<p:sld xmlns:a="http://schemas.openxmlformats.org/drawingml/2006/main" xmlns:r="http://schemas.openxmlformats.org/officeDocument/2006/relationships" xmlns:p="http://schemas.openxmlformats.org/presentationml/2006/main">
+  <p:cSld>
+    <p:spTree>
+      <p:nvGrpSpPr>
+        <p:cNvPr id="1" name=""/>
+        <p:cNvGrpSpPr/>
+        <p:nvPr/>
+      </p:nvGrpSpPr>
+      <p:grpSpPr>
+        <a:xfrm>
+          <a:off x="0" y="0"/>
+          <a:ext cx="0" cy="0"/>
+          <a:chOff x="0" y="0"/>
+          <a:chExt cx="0" cy="0"/>
+        </a:xfrm>
+      </p:grpSpPr>
+      <p:pic>
+        <p:nvPicPr>
+          <p:cNvPr id="16" name="그림 15">
+            <a:extLst>
+              <a:ext uri="{FF2B5EF4-FFF2-40B4-BE49-F238E27FC236}">
+                <a16:creationId xmlns:a16="http://schemas.microsoft.com/office/drawing/2014/main" id="{E415B920-9ED7-539A-D0DB-21836D566AC3}"/>
+              </a:ext>
+            </a:extLst>
+          </p:cNvPr>
+          <p:cNvPicPr>
+            <a:picLocks noChangeAspect="1"/>
+          </p:cNvPicPr>
+          <p:nvPr/>
+        </p:nvPicPr>
+        <p:blipFill>
+          <a:blip r:embed="rId2"/>
+          <a:stretch>
+            <a:fillRect/>
+          </a:stretch>
+        </p:blipFill>
+        <p:spPr>
+          <a:xfrm>
+            <a:off x="6200219" y="3006593"/>
+            <a:ext cx="4185000" cy="1116000"/>
+          </a:xfrm>
+          <a:prstGeom prst="rect">
+            <a:avLst/>
+          </a:prstGeom>
+        </p:spPr>
+      </p:pic>
+      <p:sp>
+        <p:nvSpPr>
+          <p:cNvPr id="3" name="내용 개체 틀 2">
+            <a:extLst>
+              <a:ext uri="{FF2B5EF4-FFF2-40B4-BE49-F238E27FC236}">
+                <a16:creationId xmlns:a16="http://schemas.microsoft.com/office/drawing/2014/main" id="{AAEBCB33-4BF9-55BB-C098-6E2D866DBD93}"/>
+              </a:ext>
+            </a:extLst>
+          </p:cNvPr>
+          <p:cNvSpPr>
+            <a:spLocks noGrp="1"/>
+          </p:cNvSpPr>
+          <p:nvPr>
+            <p:ph idx="1"/>
+          </p:nvPr>
+        </p:nvSpPr>
+        <p:spPr>
+          <a:xfrm>
+            <a:off x="451574" y="472543"/>
+            <a:ext cx="11300614" cy="6222830"/>
+          </a:xfrm>
+        </p:spPr>
+        <p:txBody>
+          <a:bodyPr/>
+          <a:lstStyle/>
+          <a:p>
+            <a:pPr marL="514350" indent="-514350">
+              <a:buFont typeface="+mj-lt"/>
+              <a:buAutoNum type="arabicPeriod" startAt="2"/>
+            </a:pPr>
+            <a:r>
+              <a:rPr kumimoji="1" lang="ko-KR" altLang="en-US" dirty="0" err="1"/>
+              <a:t>반복문</a:t>
+            </a:r>
+            <a:r>
+              <a:rPr kumimoji="1" lang="ko-KR" altLang="en-US" dirty="0"/>
+              <a:t> </a:t>
+            </a:r>
+            <a:r>
+              <a:rPr kumimoji="1" lang="en-US" altLang="ko-KR" dirty="0"/>
+              <a:t>for – dictionary</a:t>
+            </a:r>
+          </a:p>
+          <a:p>
+            <a:pPr marL="514350" indent="-514350">
+              <a:buFont typeface="+mj-lt"/>
+              <a:buAutoNum type="arabicPeriod" startAt="2"/>
+            </a:pPr>
+            <a:endParaRPr kumimoji="1" lang="en-US" altLang="ko-KR" dirty="0"/>
+          </a:p>
+          <a:p>
+            <a:pPr marL="971550" lvl="1" indent="-514350">
+              <a:buFont typeface="+mj-lt"/>
+              <a:buAutoNum type="arabicPeriod"/>
+            </a:pPr>
+            <a:r>
+              <a:rPr kumimoji="1" lang="en-US" altLang="ko-KR" dirty="0"/>
+              <a:t>for</a:t>
+            </a:r>
+            <a:r>
+              <a:rPr kumimoji="1" lang="ko-KR" altLang="en-US" dirty="0"/>
+              <a:t>문을 이용해 </a:t>
+            </a:r>
+            <a:r>
+              <a:rPr kumimoji="1" lang="ko-KR" altLang="en-US" dirty="0" err="1"/>
+              <a:t>딕셔너리</a:t>
+            </a:r>
+            <a:r>
+              <a:rPr kumimoji="1" lang="ko-KR" altLang="en-US" dirty="0"/>
+              <a:t> 자료형을 사용 하는 방법</a:t>
+            </a:r>
+            <a:endParaRPr kumimoji="1" lang="en-US" altLang="ko-KR" dirty="0"/>
+          </a:p>
+          <a:p>
+            <a:pPr marL="971550" lvl="1" indent="-514350">
+              <a:buFont typeface="+mj-lt"/>
+              <a:buAutoNum type="arabicPeriod"/>
+            </a:pPr>
+            <a:endParaRPr kumimoji="1" lang="en-US" altLang="ko-KR" dirty="0"/>
+          </a:p>
+        </p:txBody>
+      </p:sp>
+      <p:sp>
+        <p:nvSpPr>
+          <p:cNvPr id="7" name="TextBox 6">
+            <a:extLst>
+              <a:ext uri="{FF2B5EF4-FFF2-40B4-BE49-F238E27FC236}">
+                <a16:creationId xmlns:a16="http://schemas.microsoft.com/office/drawing/2014/main" id="{FD8C0486-40D7-6B75-28EB-265D0716BDD4}"/>
+              </a:ext>
+            </a:extLst>
+          </p:cNvPr>
+          <p:cNvSpPr txBox="1"/>
+          <p:nvPr/>
+        </p:nvSpPr>
+        <p:spPr>
+          <a:xfrm>
+            <a:off x="1082222" y="2424497"/>
+            <a:ext cx="2488292" cy="369332"/>
+          </a:xfrm>
+          <a:prstGeom prst="rect">
+            <a:avLst/>
+          </a:prstGeom>
+          <a:noFill/>
+        </p:spPr>
+        <p:txBody>
+          <a:bodyPr wrap="square" rtlCol="0">
+            <a:spAutoFit/>
+          </a:bodyPr>
+          <a:lstStyle/>
+          <a:p>
+            <a:r>
+              <a:rPr kumimoji="1" lang="ko-Kore-KR" altLang="en-US" dirty="0"/>
+              <a:t>딕셔너리의</a:t>
+            </a:r>
+            <a:r>
+              <a:rPr kumimoji="1" lang="ko-KR" altLang="en-US" dirty="0"/>
+              <a:t> 키 값 출력</a:t>
+            </a:r>
+            <a:endParaRPr kumimoji="1" lang="en-US" altLang="ko-KR" dirty="0"/>
+          </a:p>
+        </p:txBody>
+      </p:sp>
+      <p:sp>
+        <p:nvSpPr>
+          <p:cNvPr id="8" name="TextBox 7">
+            <a:extLst>
+              <a:ext uri="{FF2B5EF4-FFF2-40B4-BE49-F238E27FC236}">
+                <a16:creationId xmlns:a16="http://schemas.microsoft.com/office/drawing/2014/main" id="{DB3AB8B8-C8B0-07B0-E256-3EBBC06D6B4F}"/>
+              </a:ext>
+            </a:extLst>
+          </p:cNvPr>
+          <p:cNvSpPr txBox="1"/>
+          <p:nvPr/>
+        </p:nvSpPr>
+        <p:spPr>
+          <a:xfrm>
+            <a:off x="6142794" y="2470664"/>
+            <a:ext cx="2775857" cy="369332"/>
+          </a:xfrm>
+          <a:prstGeom prst="rect">
+            <a:avLst/>
+          </a:prstGeom>
+          <a:noFill/>
+        </p:spPr>
+        <p:txBody>
+          <a:bodyPr wrap="square" rtlCol="0">
+            <a:spAutoFit/>
+          </a:bodyPr>
+          <a:lstStyle/>
+          <a:p>
+            <a:r>
+              <a:rPr kumimoji="1" lang="ko-KR" altLang="en-US" dirty="0" err="1"/>
+              <a:t>딕셔너리의</a:t>
+            </a:r>
+            <a:r>
+              <a:rPr kumimoji="1" lang="ko-KR" altLang="en-US" dirty="0"/>
+              <a:t> 키</a:t>
+            </a:r>
+            <a:r>
+              <a:rPr kumimoji="1" lang="en-US" altLang="ko-KR" dirty="0"/>
+              <a:t>,</a:t>
+            </a:r>
+            <a:r>
+              <a:rPr kumimoji="1" lang="ko-KR" altLang="en-US" dirty="0"/>
+              <a:t> 값 출력</a:t>
+            </a:r>
+            <a:endParaRPr kumimoji="1" lang="en-US" altLang="ko-KR" dirty="0"/>
+          </a:p>
+        </p:txBody>
+      </p:sp>
+      <p:sp>
+        <p:nvSpPr>
+          <p:cNvPr id="13" name="타원 12">
+            <a:extLst>
+              <a:ext uri="{FF2B5EF4-FFF2-40B4-BE49-F238E27FC236}">
+                <a16:creationId xmlns:a16="http://schemas.microsoft.com/office/drawing/2014/main" id="{111B790A-E11F-88A5-1825-0F74684F8B22}"/>
+              </a:ext>
+            </a:extLst>
+          </p:cNvPr>
+          <p:cNvSpPr/>
+          <p:nvPr/>
+        </p:nvSpPr>
+        <p:spPr>
+          <a:xfrm>
+            <a:off x="6765642" y="3457798"/>
+            <a:ext cx="1453066" cy="373457"/>
+          </a:xfrm>
+          <a:prstGeom prst="ellipse">
+            <a:avLst/>
+          </a:prstGeom>
+          <a:noFill/>
+          <a:ln w="28575">
+            <a:solidFill>
+              <a:srgbClr val="FF0000"/>
+            </a:solidFill>
+          </a:ln>
+        </p:spPr>
+        <p:style>
+          <a:lnRef idx="2">
+            <a:schemeClr val="accent1">
+              <a:shade val="50000"/>
+            </a:schemeClr>
+          </a:lnRef>
+          <a:fillRef idx="1">
+            <a:schemeClr val="accent1"/>
+          </a:fillRef>
+          <a:effectRef idx="0">
+            <a:schemeClr val="accent1"/>
+          </a:effectRef>
+          <a:fontRef idx="minor">
+            <a:schemeClr val="lt1"/>
+          </a:fontRef>
+        </p:style>
+        <p:txBody>
+          <a:bodyPr rtlCol="0" anchor="ctr"/>
+          <a:lstStyle/>
+          <a:p>
+            <a:pPr algn="ctr"/>
+            <a:endParaRPr kumimoji="1" lang="ko-Kore-KR" altLang="en-US"/>
+          </a:p>
+        </p:txBody>
+      </p:sp>
+      <p:cxnSp>
+        <p:nvCxnSpPr>
+          <p:cNvPr id="15" name="직선 화살표 연결선 14">
+            <a:extLst>
+              <a:ext uri="{FF2B5EF4-FFF2-40B4-BE49-F238E27FC236}">
+                <a16:creationId xmlns:a16="http://schemas.microsoft.com/office/drawing/2014/main" id="{4CA56152-7214-0A67-A8EB-D384BAC1E137}"/>
+              </a:ext>
+            </a:extLst>
+          </p:cNvPr>
+          <p:cNvCxnSpPr>
+            <a:cxnSpLocks/>
+            <a:stCxn id="13" idx="2"/>
+          </p:cNvCxnSpPr>
+          <p:nvPr/>
+        </p:nvCxnSpPr>
+        <p:spPr>
+          <a:xfrm>
+            <a:off x="6765642" y="3644527"/>
+            <a:ext cx="0" cy="1223557"/>
+          </a:xfrm>
+          <a:prstGeom prst="straightConnector1">
+            <a:avLst/>
+          </a:prstGeom>
+          <a:ln w="28575">
+            <a:solidFill>
+              <a:srgbClr val="FF0000"/>
+            </a:solidFill>
+            <a:tailEnd type="triangle"/>
+          </a:ln>
+        </p:spPr>
+        <p:style>
+          <a:lnRef idx="1">
+            <a:schemeClr val="accent1"/>
+          </a:lnRef>
+          <a:fillRef idx="0">
+            <a:schemeClr val="accent1"/>
+          </a:fillRef>
+          <a:effectRef idx="0">
+            <a:schemeClr val="accent1"/>
+          </a:effectRef>
+          <a:fontRef idx="minor">
+            <a:schemeClr val="tx1"/>
+          </a:fontRef>
+        </p:style>
+      </p:cxnSp>
+      <p:sp>
+        <p:nvSpPr>
+          <p:cNvPr id="18" name="TextBox 17">
+            <a:extLst>
+              <a:ext uri="{FF2B5EF4-FFF2-40B4-BE49-F238E27FC236}">
+                <a16:creationId xmlns:a16="http://schemas.microsoft.com/office/drawing/2014/main" id="{07517997-E4CB-00D1-EB15-B64B2A34F980}"/>
+              </a:ext>
+            </a:extLst>
+          </p:cNvPr>
+          <p:cNvSpPr txBox="1"/>
+          <p:nvPr/>
+        </p:nvSpPr>
+        <p:spPr>
+          <a:xfrm>
+            <a:off x="6322621" y="4868084"/>
+            <a:ext cx="4794403" cy="923330"/>
+          </a:xfrm>
+          <a:prstGeom prst="rect">
+            <a:avLst/>
+          </a:prstGeom>
+          <a:noFill/>
+        </p:spPr>
+        <p:txBody>
+          <a:bodyPr wrap="square" rtlCol="0">
+            <a:spAutoFit/>
+          </a:bodyPr>
+          <a:lstStyle/>
+          <a:p>
+            <a:r>
+              <a:rPr kumimoji="1" lang="en-US" altLang="ko-Kore-KR" dirty="0"/>
+              <a:t>enumerate</a:t>
+            </a:r>
+            <a:r>
+              <a:rPr kumimoji="1" lang="ko-Kore-KR" altLang="en-US" dirty="0"/>
+              <a:t>와</a:t>
+            </a:r>
+            <a:r>
+              <a:rPr kumimoji="1" lang="ko-KR" altLang="en-US" dirty="0"/>
+              <a:t> 동일하게 </a:t>
+            </a:r>
+            <a:r>
+              <a:rPr kumimoji="1" lang="en-US" altLang="ko-KR" dirty="0"/>
+              <a:t>items </a:t>
+            </a:r>
+            <a:r>
+              <a:rPr kumimoji="1" lang="ko-KR" altLang="en-US" dirty="0"/>
+              <a:t>함수도 </a:t>
+            </a:r>
+            <a:r>
+              <a:rPr kumimoji="1" lang="en-US" altLang="ko-KR" dirty="0"/>
+              <a:t>(key, value)</a:t>
+            </a:r>
+            <a:r>
+              <a:rPr kumimoji="1" lang="ko-KR" altLang="en-US" dirty="0"/>
+              <a:t>의 </a:t>
+            </a:r>
+            <a:r>
+              <a:rPr kumimoji="1" lang="ko-KR" altLang="en-US" dirty="0" err="1"/>
+              <a:t>튜플을</a:t>
+            </a:r>
+            <a:r>
+              <a:rPr kumimoji="1" lang="ko-KR" altLang="en-US" dirty="0"/>
+              <a:t> 반환 하기때문에 변수 두개가 필요하다</a:t>
+            </a:r>
+            <a:r>
+              <a:rPr kumimoji="1" lang="en-US" altLang="ko-KR" dirty="0"/>
+              <a:t>.</a:t>
+            </a:r>
+            <a:endParaRPr kumimoji="1" lang="ko-Kore-KR" altLang="en-US" dirty="0"/>
+          </a:p>
+        </p:txBody>
+      </p:sp>
+      <p:pic>
+        <p:nvPicPr>
+          <p:cNvPr id="2" name="그림 1">
+            <a:extLst>
+              <a:ext uri="{FF2B5EF4-FFF2-40B4-BE49-F238E27FC236}">
+                <a16:creationId xmlns:a16="http://schemas.microsoft.com/office/drawing/2014/main" id="{8CBEC78B-1D0A-9ADE-5C59-443153C5F1C0}"/>
+              </a:ext>
+            </a:extLst>
+          </p:cNvPr>
+          <p:cNvPicPr>
+            <a:picLocks noChangeAspect="1"/>
+          </p:cNvPicPr>
+          <p:nvPr/>
+        </p:nvPicPr>
+        <p:blipFill>
+          <a:blip r:embed="rId3"/>
+          <a:stretch>
+            <a:fillRect/>
+          </a:stretch>
+        </p:blipFill>
+        <p:spPr>
+          <a:xfrm>
+            <a:off x="1082222" y="3018808"/>
+            <a:ext cx="3751029" cy="1130300"/>
+          </a:xfrm>
+          <a:prstGeom prst="rect">
+            <a:avLst/>
+          </a:prstGeom>
+        </p:spPr>
+      </p:pic>
+      <p:pic>
+        <p:nvPicPr>
+          <p:cNvPr id="4" name="그림 3">
+            <a:extLst>
+              <a:ext uri="{FF2B5EF4-FFF2-40B4-BE49-F238E27FC236}">
+                <a16:creationId xmlns:a16="http://schemas.microsoft.com/office/drawing/2014/main" id="{8006B9EC-3817-203F-4AAB-CABE0BF7EEA4}"/>
+              </a:ext>
+            </a:extLst>
+          </p:cNvPr>
+          <p:cNvPicPr>
+            <a:picLocks noChangeAspect="1"/>
+          </p:cNvPicPr>
+          <p:nvPr/>
+        </p:nvPicPr>
+        <p:blipFill>
+          <a:blip r:embed="rId4"/>
+          <a:stretch>
+            <a:fillRect/>
+          </a:stretch>
+        </p:blipFill>
+        <p:spPr>
+          <a:xfrm>
+            <a:off x="1074976" y="4470770"/>
+            <a:ext cx="1408241" cy="1130299"/>
+          </a:xfrm>
+          <a:prstGeom prst="rect">
+            <a:avLst/>
+          </a:prstGeom>
+        </p:spPr>
+      </p:pic>
+      <p:pic>
+        <p:nvPicPr>
+          <p:cNvPr id="5" name="그림 4">
+            <a:extLst>
+              <a:ext uri="{FF2B5EF4-FFF2-40B4-BE49-F238E27FC236}">
+                <a16:creationId xmlns:a16="http://schemas.microsoft.com/office/drawing/2014/main" id="{8B28CCFE-C824-5D07-2470-BCC7DB23C670}"/>
+              </a:ext>
+            </a:extLst>
+          </p:cNvPr>
+          <p:cNvPicPr>
+            <a:picLocks noChangeAspect="1"/>
+          </p:cNvPicPr>
+          <p:nvPr/>
+        </p:nvPicPr>
+        <p:blipFill>
+          <a:blip r:embed="rId5"/>
+          <a:stretch>
+            <a:fillRect/>
+          </a:stretch>
+        </p:blipFill>
+        <p:spPr>
+          <a:xfrm>
+            <a:off x="10541374" y="3018807"/>
+            <a:ext cx="1342938" cy="1103785"/>
+          </a:xfrm>
+          <a:prstGeom prst="rect">
+            <a:avLst/>
+          </a:prstGeom>
+        </p:spPr>
+      </p:pic>
+    </p:spTree>
+    <p:extLst>
+      <p:ext uri="{BB962C8B-B14F-4D97-AF65-F5344CB8AC3E}">
+        <p14:creationId xmlns:p14="http://schemas.microsoft.com/office/powerpoint/2010/main" val="3988063120"/>
+      </p:ext>
+    </p:extLst>
+  </p:cSld>
+  <p:clrMapOvr>
+    <a:masterClrMapping/>
+  </p:clrMapOvr>
+</p:sld>
+</file>
+
+<file path=ppt/slides/slide13.xml><?xml version="1.0" encoding="utf-8"?>
+<p:sld xmlns:a="http://schemas.openxmlformats.org/drawingml/2006/main" xmlns:r="http://schemas.openxmlformats.org/officeDocument/2006/relationships" xmlns:p="http://schemas.openxmlformats.org/presentationml/2006/main">
+  <p:cSld>
+    <p:spTree>
+      <p:nvGrpSpPr>
+        <p:cNvPr id="1" name=""/>
+        <p:cNvGrpSpPr/>
+        <p:nvPr/>
+      </p:nvGrpSpPr>
+      <p:grpSpPr>
+        <a:xfrm>
+          <a:off x="0" y="0"/>
+          <a:ext cx="0" cy="0"/>
+          <a:chOff x="0" y="0"/>
+          <a:chExt cx="0" cy="0"/>
+        </a:xfrm>
+      </p:grpSpPr>
+      <p:sp>
+        <p:nvSpPr>
+          <p:cNvPr id="3" name="내용 개체 틀 2">
+            <a:extLst>
+              <a:ext uri="{FF2B5EF4-FFF2-40B4-BE49-F238E27FC236}">
+                <a16:creationId xmlns:a16="http://schemas.microsoft.com/office/drawing/2014/main" id="{AAEBCB33-4BF9-55BB-C098-6E2D866DBD93}"/>
+              </a:ext>
+            </a:extLst>
+          </p:cNvPr>
+          <p:cNvSpPr>
+            <a:spLocks noGrp="1"/>
+          </p:cNvSpPr>
+          <p:nvPr>
+            <p:ph idx="1"/>
+          </p:nvPr>
+        </p:nvSpPr>
+        <p:spPr>
+          <a:xfrm>
+            <a:off x="451574" y="472543"/>
+            <a:ext cx="11300614" cy="6222830"/>
+          </a:xfrm>
+        </p:spPr>
+        <p:txBody>
+          <a:bodyPr/>
+          <a:lstStyle/>
+          <a:p>
+            <a:pPr marL="514350" indent="-514350">
+              <a:buFont typeface="+mj-lt"/>
+              <a:buAutoNum type="arabicPeriod" startAt="2"/>
+            </a:pPr>
+            <a:r>
+              <a:rPr kumimoji="1" lang="ko-KR" altLang="en-US" dirty="0" err="1"/>
+              <a:t>반복문</a:t>
+            </a:r>
+            <a:r>
+              <a:rPr kumimoji="1" lang="ko-KR" altLang="en-US" dirty="0"/>
+              <a:t> </a:t>
+            </a:r>
+            <a:r>
+              <a:rPr kumimoji="1" lang="en-US" altLang="ko-KR" dirty="0"/>
+              <a:t>for</a:t>
+            </a:r>
+            <a:r>
+              <a:rPr kumimoji="1" lang="ko-KR" altLang="en-US" dirty="0"/>
+              <a:t> </a:t>
+            </a:r>
+            <a:r>
+              <a:rPr kumimoji="1" lang="en-US" altLang="ko-KR" dirty="0"/>
+              <a:t>–</a:t>
+            </a:r>
+            <a:r>
+              <a:rPr kumimoji="1" lang="ko-KR" altLang="en-US" dirty="0"/>
+              <a:t> </a:t>
+            </a:r>
+            <a:r>
+              <a:rPr kumimoji="1" lang="en-US" altLang="ko-KR" dirty="0"/>
+              <a:t>range</a:t>
+            </a:r>
+          </a:p>
+          <a:p>
+            <a:pPr marL="514350" indent="-514350">
+              <a:buFont typeface="+mj-lt"/>
+              <a:buAutoNum type="arabicPeriod" startAt="2"/>
+            </a:pPr>
+            <a:endParaRPr kumimoji="1" lang="en-US" altLang="ko-KR" dirty="0"/>
+          </a:p>
+          <a:p>
+            <a:pPr marL="971550" lvl="1" indent="-514350">
+              <a:buFont typeface="+mj-lt"/>
+              <a:buAutoNum type="arabicPeriod" startAt="3"/>
+            </a:pPr>
+            <a:r>
+              <a:rPr kumimoji="1" lang="en-US" altLang="ko-KR" dirty="0"/>
+              <a:t>for</a:t>
+            </a:r>
+            <a:r>
+              <a:rPr kumimoji="1" lang="ko-KR" altLang="en-US" dirty="0"/>
+              <a:t>문에는 리스트</a:t>
+            </a:r>
+            <a:r>
+              <a:rPr kumimoji="1" lang="en-US" altLang="ko-KR" dirty="0"/>
+              <a:t>,</a:t>
+            </a:r>
+            <a:r>
+              <a:rPr kumimoji="1" lang="ko-KR" altLang="en-US" dirty="0"/>
+              <a:t> 문자열 등 말고 </a:t>
+            </a:r>
+            <a:r>
+              <a:rPr kumimoji="1" lang="en-US" altLang="ko-KR" dirty="0"/>
+              <a:t>range</a:t>
+            </a:r>
+            <a:r>
+              <a:rPr kumimoji="1" lang="ko-KR" altLang="en-US" dirty="0"/>
+              <a:t>라는 시퀀스 자료형을 사용하기도 한다</a:t>
+            </a:r>
+            <a:r>
+              <a:rPr kumimoji="1" lang="en-US" altLang="ko-KR" dirty="0"/>
+              <a:t>.</a:t>
+            </a:r>
+          </a:p>
+          <a:p>
+            <a:pPr marL="971550" lvl="1" indent="-514350">
+              <a:buFont typeface="+mj-lt"/>
+              <a:buAutoNum type="arabicPeriod" startAt="3"/>
+            </a:pPr>
+            <a:endParaRPr kumimoji="1" lang="en-US" altLang="ko-KR" dirty="0"/>
+          </a:p>
+          <a:p>
+            <a:pPr marL="971550" lvl="1" indent="-514350">
+              <a:buFont typeface="+mj-lt"/>
+              <a:buAutoNum type="arabicPeriod" startAt="3"/>
+            </a:pPr>
+            <a:r>
+              <a:rPr kumimoji="1" lang="en-US" altLang="ko-KR" dirty="0"/>
+              <a:t>range(start, end, step)</a:t>
+            </a:r>
+            <a:r>
+              <a:rPr kumimoji="1" lang="ko-KR" altLang="en-US" dirty="0"/>
+              <a:t> 형식으로 사용하며</a:t>
+            </a:r>
+            <a:r>
+              <a:rPr kumimoji="1" lang="en-US" altLang="ko-KR" dirty="0"/>
+              <a:t>,</a:t>
+            </a:r>
+            <a:r>
+              <a:rPr kumimoji="1" lang="ko-KR" altLang="en-US" dirty="0"/>
+              <a:t> </a:t>
+            </a:r>
+            <a:r>
+              <a:rPr kumimoji="1" lang="en-US" altLang="ko-KR" dirty="0"/>
+              <a:t>end</a:t>
+            </a:r>
+            <a:r>
+              <a:rPr kumimoji="1" lang="ko-KR" altLang="en-US" dirty="0"/>
+              <a:t>의 값은 포함하지 않는 시퀀스 데이터를 반환 한다</a:t>
+            </a:r>
+            <a:r>
+              <a:rPr kumimoji="1" lang="en-US" altLang="ko-KR" dirty="0"/>
+              <a:t>.</a:t>
+            </a:r>
+            <a:r>
+              <a:rPr kumimoji="1" lang="ko-KR" altLang="en-US" dirty="0"/>
+              <a:t> </a:t>
+            </a:r>
+            <a:endParaRPr kumimoji="1" lang="en-US" altLang="ko-KR" dirty="0"/>
+          </a:p>
+          <a:p>
+            <a:pPr marL="914400" lvl="2" indent="0">
+              <a:buNone/>
+            </a:pPr>
+            <a:r>
+              <a:rPr kumimoji="1" lang="en-US" altLang="ko-KR" dirty="0"/>
+              <a:t>(</a:t>
+            </a:r>
+            <a:r>
+              <a:rPr kumimoji="1" lang="ko-KR" altLang="en-US" dirty="0"/>
+              <a:t>만약 인자 하나만 입력하게 되면 </a:t>
+            </a:r>
+            <a:r>
+              <a:rPr kumimoji="1" lang="en-US" altLang="ko-KR" dirty="0"/>
+              <a:t>start</a:t>
+            </a:r>
+            <a:r>
+              <a:rPr kumimoji="1" lang="ko-KR" altLang="en-US" dirty="0"/>
+              <a:t>는 기본으로 </a:t>
+            </a:r>
+            <a:r>
+              <a:rPr kumimoji="1" lang="en-US" altLang="ko-KR" dirty="0"/>
+              <a:t>0</a:t>
+            </a:r>
+            <a:r>
+              <a:rPr kumimoji="1" lang="ko-KR" altLang="en-US" dirty="0" err="1"/>
+              <a:t>으로</a:t>
+            </a:r>
+            <a:r>
+              <a:rPr kumimoji="1" lang="ko-KR" altLang="en-US" dirty="0"/>
+              <a:t> 할당된다</a:t>
+            </a:r>
+            <a:r>
+              <a:rPr kumimoji="1" lang="en-US" altLang="ko-KR" dirty="0"/>
+              <a:t>.)</a:t>
+            </a:r>
+          </a:p>
+          <a:p>
+            <a:pPr marL="971550" lvl="1" indent="-514350">
+              <a:buFont typeface="+mj-lt"/>
+              <a:buAutoNum type="arabicPeriod" startAt="3"/>
+            </a:pPr>
+            <a:endParaRPr kumimoji="1" lang="en-US" altLang="ko-KR" dirty="0"/>
+          </a:p>
+          <a:p>
+            <a:pPr marL="457200" lvl="1" indent="0">
+              <a:buNone/>
+            </a:pPr>
+            <a:endParaRPr kumimoji="1" lang="en-US" altLang="ko-KR" dirty="0"/>
+          </a:p>
+          <a:p>
+            <a:pPr marL="971550" lvl="1" indent="-514350">
+              <a:buFont typeface="+mj-lt"/>
+              <a:buAutoNum type="arabicPeriod"/>
+            </a:pPr>
+            <a:endParaRPr kumimoji="1" lang="en-US" altLang="ko-KR" dirty="0"/>
+          </a:p>
+        </p:txBody>
+      </p:sp>
+      <p:pic>
+        <p:nvPicPr>
+          <p:cNvPr id="7" name="그림 6">
+            <a:extLst>
+              <a:ext uri="{FF2B5EF4-FFF2-40B4-BE49-F238E27FC236}">
+                <a16:creationId xmlns:a16="http://schemas.microsoft.com/office/drawing/2014/main" id="{3D6EB876-5365-61A2-EB98-4DFD7312CBBC}"/>
+              </a:ext>
+            </a:extLst>
+          </p:cNvPr>
+          <p:cNvPicPr>
+            <a:picLocks noChangeAspect="1"/>
+          </p:cNvPicPr>
+          <p:nvPr/>
+        </p:nvPicPr>
+        <p:blipFill>
+          <a:blip r:embed="rId2"/>
+          <a:stretch>
+            <a:fillRect/>
+          </a:stretch>
+        </p:blipFill>
+        <p:spPr>
+          <a:xfrm>
+            <a:off x="1206254" y="4050274"/>
+            <a:ext cx="3187700" cy="635000"/>
+          </a:xfrm>
+          <a:prstGeom prst="rect">
+            <a:avLst/>
+          </a:prstGeom>
+        </p:spPr>
+      </p:pic>
+      <p:pic>
+        <p:nvPicPr>
+          <p:cNvPr id="8" name="그림 7">
+            <a:extLst>
+              <a:ext uri="{FF2B5EF4-FFF2-40B4-BE49-F238E27FC236}">
+                <a16:creationId xmlns:a16="http://schemas.microsoft.com/office/drawing/2014/main" id="{140C75D8-BEC2-C9C5-2AC0-C97B8FB125EA}"/>
+              </a:ext>
+            </a:extLst>
+          </p:cNvPr>
+          <p:cNvPicPr>
+            <a:picLocks noChangeAspect="1"/>
+          </p:cNvPicPr>
+          <p:nvPr/>
+        </p:nvPicPr>
+        <p:blipFill>
+          <a:blip r:embed="rId3"/>
+          <a:stretch>
+            <a:fillRect/>
+          </a:stretch>
+        </p:blipFill>
+        <p:spPr>
+          <a:xfrm>
+            <a:off x="6525596" y="3877003"/>
+            <a:ext cx="266700" cy="2806700"/>
+          </a:xfrm>
+          <a:prstGeom prst="rect">
+            <a:avLst/>
+          </a:prstGeom>
+        </p:spPr>
+      </p:pic>
+      <p:pic>
+        <p:nvPicPr>
+          <p:cNvPr id="9" name="그림 8">
+            <a:extLst>
+              <a:ext uri="{FF2B5EF4-FFF2-40B4-BE49-F238E27FC236}">
+                <a16:creationId xmlns:a16="http://schemas.microsoft.com/office/drawing/2014/main" id="{B0FD31E4-AEEE-0EA3-242C-BE76C90CC3D5}"/>
+              </a:ext>
+            </a:extLst>
+          </p:cNvPr>
+          <p:cNvPicPr>
+            <a:picLocks noChangeAspect="1"/>
+          </p:cNvPicPr>
+          <p:nvPr/>
+        </p:nvPicPr>
+        <p:blipFill>
+          <a:blip r:embed="rId4"/>
+          <a:stretch>
+            <a:fillRect/>
+          </a:stretch>
+        </p:blipFill>
+        <p:spPr>
+          <a:xfrm>
+            <a:off x="5727700" y="4948090"/>
+            <a:ext cx="368300" cy="1384300"/>
+          </a:xfrm>
+          <a:prstGeom prst="rect">
+            <a:avLst/>
+          </a:prstGeom>
+        </p:spPr>
+      </p:pic>
+      <p:pic>
+        <p:nvPicPr>
+          <p:cNvPr id="10" name="그림 9">
+            <a:extLst>
+              <a:ext uri="{FF2B5EF4-FFF2-40B4-BE49-F238E27FC236}">
+                <a16:creationId xmlns:a16="http://schemas.microsoft.com/office/drawing/2014/main" id="{DF2289A6-D0F4-AD59-5448-AC181ED2F801}"/>
+              </a:ext>
+            </a:extLst>
+          </p:cNvPr>
+          <p:cNvPicPr>
+            <a:picLocks noChangeAspect="1"/>
+          </p:cNvPicPr>
+          <p:nvPr/>
+        </p:nvPicPr>
+        <p:blipFill>
+          <a:blip r:embed="rId5"/>
+          <a:stretch>
+            <a:fillRect/>
+          </a:stretch>
+        </p:blipFill>
+        <p:spPr>
+          <a:xfrm>
+            <a:off x="1206254" y="5842532"/>
+            <a:ext cx="2641600" cy="673100"/>
+          </a:xfrm>
+          <a:prstGeom prst="rect">
+            <a:avLst/>
+          </a:prstGeom>
+        </p:spPr>
+      </p:pic>
+      <p:pic>
+        <p:nvPicPr>
+          <p:cNvPr id="11" name="그림 10">
+            <a:extLst>
+              <a:ext uri="{FF2B5EF4-FFF2-40B4-BE49-F238E27FC236}">
+                <a16:creationId xmlns:a16="http://schemas.microsoft.com/office/drawing/2014/main" id="{B8FB1406-9B84-DC29-8AC0-890C81DAB0EC}"/>
+              </a:ext>
+            </a:extLst>
+          </p:cNvPr>
+          <p:cNvPicPr>
+            <a:picLocks noChangeAspect="1"/>
+          </p:cNvPicPr>
+          <p:nvPr/>
+        </p:nvPicPr>
+        <p:blipFill>
+          <a:blip r:embed="rId6"/>
+          <a:stretch>
+            <a:fillRect/>
+          </a:stretch>
+        </p:blipFill>
+        <p:spPr>
+          <a:xfrm>
+            <a:off x="1206254" y="4969204"/>
+            <a:ext cx="3517900" cy="622300"/>
+          </a:xfrm>
+          <a:prstGeom prst="rect">
+            <a:avLst/>
+          </a:prstGeom>
+        </p:spPr>
+      </p:pic>
+      <p:pic>
+        <p:nvPicPr>
+          <p:cNvPr id="12" name="그림 11">
+            <a:extLst>
+              <a:ext uri="{FF2B5EF4-FFF2-40B4-BE49-F238E27FC236}">
+                <a16:creationId xmlns:a16="http://schemas.microsoft.com/office/drawing/2014/main" id="{A56178D4-B07C-4B21-6341-C94C1FE09EF7}"/>
+              </a:ext>
+            </a:extLst>
+          </p:cNvPr>
+          <p:cNvPicPr>
+            <a:picLocks noChangeAspect="1"/>
+          </p:cNvPicPr>
+          <p:nvPr/>
+        </p:nvPicPr>
+        <p:blipFill>
+          <a:blip r:embed="rId7"/>
+          <a:stretch>
+            <a:fillRect/>
+          </a:stretch>
+        </p:blipFill>
+        <p:spPr>
+          <a:xfrm>
+            <a:off x="4724154" y="5732910"/>
+            <a:ext cx="342900" cy="1028700"/>
+          </a:xfrm>
+          <a:prstGeom prst="rect">
+            <a:avLst/>
+          </a:prstGeom>
+        </p:spPr>
+      </p:pic>
+      <p:sp>
+        <p:nvSpPr>
+          <p:cNvPr id="13" name="오른쪽 화살표[R] 12">
+            <a:extLst>
+              <a:ext uri="{FF2B5EF4-FFF2-40B4-BE49-F238E27FC236}">
+                <a16:creationId xmlns:a16="http://schemas.microsoft.com/office/drawing/2014/main" id="{7063798B-15F0-E2FA-C719-4B2BB505555A}"/>
+              </a:ext>
+            </a:extLst>
+          </p:cNvPr>
+          <p:cNvSpPr/>
+          <p:nvPr/>
+        </p:nvSpPr>
+        <p:spPr>
+          <a:xfrm>
+            <a:off x="4584233" y="4248938"/>
+            <a:ext cx="1545771" cy="237671"/>
+          </a:xfrm>
+          <a:prstGeom prst="rightArrow">
+            <a:avLst/>
+          </a:prstGeom>
+        </p:spPr>
+        <p:style>
+          <a:lnRef idx="2">
+            <a:schemeClr val="accent1">
+              <a:shade val="50000"/>
+            </a:schemeClr>
+          </a:lnRef>
+          <a:fillRef idx="1">
+            <a:schemeClr val="accent1"/>
+          </a:fillRef>
+          <a:effectRef idx="0">
+            <a:schemeClr val="accent1"/>
+          </a:effectRef>
+          <a:fontRef idx="minor">
+            <a:schemeClr val="lt1"/>
+          </a:fontRef>
+        </p:style>
+        <p:txBody>
+          <a:bodyPr rtlCol="0" anchor="ctr"/>
+          <a:lstStyle/>
+          <a:p>
+            <a:pPr algn="ctr"/>
+            <a:endParaRPr kumimoji="1" lang="ko-Kore-KR" altLang="en-US"/>
+          </a:p>
+        </p:txBody>
+      </p:sp>
+      <p:sp>
+        <p:nvSpPr>
+          <p:cNvPr id="14" name="오른쪽 화살표[R] 13">
+            <a:extLst>
+              <a:ext uri="{FF2B5EF4-FFF2-40B4-BE49-F238E27FC236}">
+                <a16:creationId xmlns:a16="http://schemas.microsoft.com/office/drawing/2014/main" id="{59FB8441-8AF0-A7A7-897A-801C41C67F3F}"/>
+              </a:ext>
+            </a:extLst>
+          </p:cNvPr>
+          <p:cNvSpPr/>
+          <p:nvPr/>
+        </p:nvSpPr>
+        <p:spPr>
+          <a:xfrm>
+            <a:off x="4827341" y="5161518"/>
+            <a:ext cx="797172" cy="237671"/>
+          </a:xfrm>
+          <a:prstGeom prst="rightArrow">
+            <a:avLst/>
+          </a:prstGeom>
+        </p:spPr>
+        <p:style>
+          <a:lnRef idx="2">
+            <a:schemeClr val="accent1">
+              <a:shade val="50000"/>
+            </a:schemeClr>
+          </a:lnRef>
+          <a:fillRef idx="1">
+            <a:schemeClr val="accent1"/>
+          </a:fillRef>
+          <a:effectRef idx="0">
+            <a:schemeClr val="accent1"/>
+          </a:effectRef>
+          <a:fontRef idx="minor">
+            <a:schemeClr val="lt1"/>
+          </a:fontRef>
+        </p:style>
+        <p:txBody>
+          <a:bodyPr rtlCol="0" anchor="ctr"/>
+          <a:lstStyle/>
+          <a:p>
+            <a:pPr algn="ctr"/>
+            <a:endParaRPr kumimoji="1" lang="ko-Kore-KR" altLang="en-US"/>
+          </a:p>
+        </p:txBody>
+      </p:sp>
+      <p:sp>
+        <p:nvSpPr>
+          <p:cNvPr id="16" name="오른쪽 화살표[R] 15">
+            <a:extLst>
+              <a:ext uri="{FF2B5EF4-FFF2-40B4-BE49-F238E27FC236}">
+                <a16:creationId xmlns:a16="http://schemas.microsoft.com/office/drawing/2014/main" id="{1916ED79-7519-C5C0-8685-C4C9133EA106}"/>
+              </a:ext>
+            </a:extLst>
+          </p:cNvPr>
+          <p:cNvSpPr/>
+          <p:nvPr/>
+        </p:nvSpPr>
+        <p:spPr>
+          <a:xfrm>
+            <a:off x="3954093" y="6049236"/>
+            <a:ext cx="618322" cy="259693"/>
+          </a:xfrm>
+          <a:prstGeom prst="rightArrow">
+            <a:avLst/>
+          </a:prstGeom>
+        </p:spPr>
+        <p:style>
+          <a:lnRef idx="2">
+            <a:schemeClr val="accent1">
+              <a:shade val="50000"/>
+            </a:schemeClr>
+          </a:lnRef>
+          <a:fillRef idx="1">
+            <a:schemeClr val="accent1"/>
+          </a:fillRef>
+          <a:effectRef idx="0">
+            <a:schemeClr val="accent1"/>
+          </a:effectRef>
+          <a:fontRef idx="minor">
+            <a:schemeClr val="lt1"/>
+          </a:fontRef>
+        </p:style>
+        <p:txBody>
+          <a:bodyPr rtlCol="0" anchor="ctr"/>
+          <a:lstStyle/>
+          <a:p>
+            <a:pPr algn="ctr"/>
+            <a:endParaRPr kumimoji="1" lang="ko-Kore-KR" altLang="en-US"/>
+          </a:p>
+        </p:txBody>
+      </p:sp>
+    </p:spTree>
+    <p:extLst>
+      <p:ext uri="{BB962C8B-B14F-4D97-AF65-F5344CB8AC3E}">
+        <p14:creationId xmlns:p14="http://schemas.microsoft.com/office/powerpoint/2010/main" val="3858433803"/>
+      </p:ext>
+    </p:extLst>
+  </p:cSld>
+  <p:clrMapOvr>
+    <a:masterClrMapping/>
+  </p:clrMapOvr>
+</p:sld>
+</file>
+
+<file path=ppt/slides/slide14.xml><?xml version="1.0" encoding="utf-8"?>
+<p:sld xmlns:a="http://schemas.openxmlformats.org/drawingml/2006/main" xmlns:r="http://schemas.openxmlformats.org/officeDocument/2006/relationships" xmlns:p="http://schemas.openxmlformats.org/presentationml/2006/main">
+  <p:cSld>
+    <p:spTree>
+      <p:nvGrpSpPr>
+        <p:cNvPr id="1" name=""/>
+        <p:cNvGrpSpPr/>
+        <p:nvPr/>
+      </p:nvGrpSpPr>
+      <p:grpSpPr>
+        <a:xfrm>
+          <a:off x="0" y="0"/>
+          <a:ext cx="0" cy="0"/>
+          <a:chOff x="0" y="0"/>
+          <a:chExt cx="0" cy="0"/>
+        </a:xfrm>
+      </p:grpSpPr>
+      <p:sp>
+        <p:nvSpPr>
+          <p:cNvPr id="3" name="내용 개체 틀 2">
+            <a:extLst>
+              <a:ext uri="{FF2B5EF4-FFF2-40B4-BE49-F238E27FC236}">
+                <a16:creationId xmlns:a16="http://schemas.microsoft.com/office/drawing/2014/main" id="{AAEBCB33-4BF9-55BB-C098-6E2D866DBD93}"/>
+              </a:ext>
+            </a:extLst>
+          </p:cNvPr>
+          <p:cNvSpPr>
+            <a:spLocks noGrp="1"/>
+          </p:cNvSpPr>
+          <p:nvPr>
+            <p:ph idx="1"/>
+          </p:nvPr>
+        </p:nvSpPr>
+        <p:spPr>
+          <a:xfrm>
+            <a:off x="451574" y="472543"/>
+            <a:ext cx="11300614" cy="6222830"/>
+          </a:xfrm>
+        </p:spPr>
+        <p:txBody>
+          <a:bodyPr/>
+          <a:lstStyle/>
+          <a:p>
+            <a:pPr marL="514350" indent="-514350">
+              <a:buFont typeface="+mj-lt"/>
+              <a:buAutoNum type="arabicPeriod" startAt="2"/>
+            </a:pPr>
+            <a:r>
+              <a:rPr kumimoji="1" lang="ko-KR" altLang="en-US" dirty="0" err="1"/>
+              <a:t>반복문</a:t>
+            </a:r>
+            <a:r>
+              <a:rPr kumimoji="1" lang="ko-KR" altLang="en-US" dirty="0"/>
+              <a:t> </a:t>
+            </a:r>
+            <a:r>
+              <a:rPr kumimoji="1" lang="en-US" altLang="ko-KR" dirty="0"/>
+              <a:t>for</a:t>
+            </a:r>
+            <a:r>
+              <a:rPr kumimoji="1" lang="ko-KR" altLang="en-US" dirty="0"/>
+              <a:t> </a:t>
+            </a:r>
+            <a:r>
+              <a:rPr kumimoji="1" lang="en-US" altLang="ko-KR" dirty="0"/>
+              <a:t>–</a:t>
+            </a:r>
+            <a:r>
+              <a:rPr kumimoji="1" lang="ko-KR" altLang="en-US" dirty="0"/>
+              <a:t> 간단한 </a:t>
+            </a:r>
+            <a:r>
+              <a:rPr kumimoji="1" lang="en-US" altLang="ko-KR" dirty="0"/>
+              <a:t>for</a:t>
+            </a:r>
+            <a:r>
+              <a:rPr kumimoji="1" lang="ko-KR" altLang="en-US" dirty="0"/>
+              <a:t>문 리스트 </a:t>
+            </a:r>
+            <a:r>
+              <a:rPr kumimoji="1" lang="ko-KR" altLang="en-US" dirty="0" err="1"/>
+              <a:t>컴플리헨션</a:t>
+            </a:r>
+            <a:endParaRPr kumimoji="1" lang="en-US" altLang="ko-KR" dirty="0"/>
+          </a:p>
+          <a:p>
+            <a:pPr marL="514350" indent="-514350">
+              <a:buFont typeface="+mj-lt"/>
+              <a:buAutoNum type="arabicPeriod" startAt="2"/>
+            </a:pPr>
+            <a:endParaRPr kumimoji="1" lang="en-US" altLang="ko-KR" dirty="0"/>
+          </a:p>
+          <a:p>
+            <a:pPr marL="971550" lvl="1" indent="-514350">
+              <a:buFont typeface="+mj-lt"/>
+              <a:buAutoNum type="arabicPeriod"/>
+            </a:pPr>
+            <a:r>
+              <a:rPr kumimoji="1" lang="ko-KR" altLang="en-US" dirty="0" err="1"/>
+              <a:t>삼항연산자와</a:t>
+            </a:r>
+            <a:r>
+              <a:rPr kumimoji="1" lang="ko-KR" altLang="en-US" dirty="0"/>
+              <a:t> 비슷하게 한 줄로 간단히 표현하기 위한 </a:t>
+            </a:r>
+            <a:r>
+              <a:rPr kumimoji="1" lang="en-US" altLang="ko-KR" dirty="0"/>
+              <a:t>for</a:t>
+            </a:r>
+            <a:r>
+              <a:rPr kumimoji="1" lang="ko-KR" altLang="en-US" dirty="0"/>
+              <a:t>문</a:t>
+            </a:r>
+            <a:endParaRPr kumimoji="1" lang="en-US" altLang="ko-KR" dirty="0"/>
+          </a:p>
+          <a:p>
+            <a:pPr marL="971550" lvl="1" indent="-514350">
+              <a:buFont typeface="+mj-lt"/>
+              <a:buAutoNum type="arabicPeriod"/>
+            </a:pPr>
+            <a:endParaRPr kumimoji="1" lang="en-US" altLang="ko-KR" dirty="0"/>
+          </a:p>
+          <a:p>
+            <a:pPr marL="971550" lvl="1" indent="-514350">
+              <a:buFont typeface="+mj-lt"/>
+              <a:buAutoNum type="arabicPeriod"/>
+            </a:pPr>
+            <a:endParaRPr kumimoji="1" lang="en-US" altLang="ko-KR" dirty="0"/>
+          </a:p>
+          <a:p>
+            <a:pPr marL="971550" lvl="1" indent="-514350">
+              <a:buFont typeface="+mj-lt"/>
+              <a:buAutoNum type="arabicPeriod"/>
+            </a:pPr>
+            <a:endParaRPr kumimoji="1" lang="en-US" altLang="ko-KR" dirty="0"/>
+          </a:p>
+          <a:p>
+            <a:pPr marL="971550" lvl="1" indent="-514350">
+              <a:buFont typeface="+mj-lt"/>
+              <a:buAutoNum type="arabicPeriod"/>
+            </a:pPr>
+            <a:endParaRPr kumimoji="1" lang="en-US" altLang="ko-KR" dirty="0"/>
+          </a:p>
+          <a:p>
+            <a:pPr marL="971550" lvl="1" indent="-514350">
+              <a:buFont typeface="+mj-lt"/>
+              <a:buAutoNum type="arabicPeriod"/>
+            </a:pPr>
+            <a:endParaRPr kumimoji="1" lang="en-US" altLang="ko-KR" dirty="0"/>
+          </a:p>
+          <a:p>
+            <a:pPr marL="971550" lvl="1" indent="-514350">
+              <a:buFont typeface="+mj-lt"/>
+              <a:buAutoNum type="arabicPeriod"/>
+            </a:pPr>
+            <a:r>
+              <a:rPr kumimoji="1" lang="ko-KR" altLang="en-US" dirty="0" err="1"/>
+              <a:t>컴프리헨션</a:t>
+            </a:r>
+            <a:r>
+              <a:rPr kumimoji="1" lang="ko-KR" altLang="en-US" dirty="0"/>
+              <a:t> 내부에서도 </a:t>
+            </a:r>
+            <a:r>
+              <a:rPr kumimoji="1" lang="en-US" altLang="ko-KR" dirty="0"/>
+              <a:t>if </a:t>
+            </a:r>
+            <a:r>
+              <a:rPr kumimoji="1" lang="ko-KR" altLang="en-US" dirty="0"/>
+              <a:t>사용 가능하다</a:t>
+            </a:r>
+            <a:endParaRPr kumimoji="1" lang="en-US" altLang="ko-KR" dirty="0"/>
+          </a:p>
+          <a:p>
+            <a:pPr marL="971550" lvl="1" indent="-514350">
+              <a:buFont typeface="+mj-lt"/>
+              <a:buAutoNum type="arabicPeriod"/>
+            </a:pPr>
+            <a:endParaRPr kumimoji="1" lang="en-US" altLang="ko-KR" dirty="0"/>
+          </a:p>
+          <a:p>
+            <a:pPr marL="971550" lvl="1" indent="-514350">
+              <a:buFont typeface="+mj-lt"/>
+              <a:buAutoNum type="arabicPeriod"/>
+            </a:pPr>
+            <a:endParaRPr kumimoji="1" lang="en-US" altLang="ko-KR" dirty="0"/>
+          </a:p>
+          <a:p>
+            <a:pPr marL="457200" lvl="1" indent="0">
+              <a:buNone/>
+            </a:pPr>
+            <a:endParaRPr kumimoji="1" lang="en-US" altLang="ko-KR" dirty="0"/>
+          </a:p>
+          <a:p>
+            <a:pPr marL="971550" lvl="1" indent="-514350">
+              <a:buFont typeface="+mj-lt"/>
+              <a:buAutoNum type="arabicPeriod"/>
+            </a:pPr>
+            <a:endParaRPr kumimoji="1" lang="en-US" altLang="ko-KR" dirty="0"/>
+          </a:p>
+        </p:txBody>
+      </p:sp>
+      <p:pic>
+        <p:nvPicPr>
+          <p:cNvPr id="2" name="그림 1">
+            <a:extLst>
+              <a:ext uri="{FF2B5EF4-FFF2-40B4-BE49-F238E27FC236}">
+                <a16:creationId xmlns:a16="http://schemas.microsoft.com/office/drawing/2014/main" id="{F092461C-ED33-6B6C-B3D9-61189320FF32}"/>
+              </a:ext>
+            </a:extLst>
+          </p:cNvPr>
+          <p:cNvPicPr>
+            <a:picLocks noChangeAspect="1"/>
+          </p:cNvPicPr>
+          <p:nvPr/>
+        </p:nvPicPr>
+        <p:blipFill>
+          <a:blip r:embed="rId2"/>
+          <a:stretch>
+            <a:fillRect/>
+          </a:stretch>
+        </p:blipFill>
+        <p:spPr>
+          <a:xfrm>
+            <a:off x="1186543" y="2142672"/>
+            <a:ext cx="3657600" cy="635000"/>
+          </a:xfrm>
+          <a:prstGeom prst="rect">
+            <a:avLst/>
+          </a:prstGeom>
+        </p:spPr>
+      </p:pic>
+      <p:pic>
+        <p:nvPicPr>
+          <p:cNvPr id="4" name="그림 3">
+            <a:extLst>
+              <a:ext uri="{FF2B5EF4-FFF2-40B4-BE49-F238E27FC236}">
+                <a16:creationId xmlns:a16="http://schemas.microsoft.com/office/drawing/2014/main" id="{94CCDEF2-E11B-4638-CAAB-514DB035310E}"/>
+              </a:ext>
+            </a:extLst>
+          </p:cNvPr>
+          <p:cNvPicPr>
+            <a:picLocks noChangeAspect="1"/>
+          </p:cNvPicPr>
+          <p:nvPr/>
+        </p:nvPicPr>
+        <p:blipFill>
+          <a:blip r:embed="rId3"/>
+          <a:stretch>
+            <a:fillRect/>
+          </a:stretch>
+        </p:blipFill>
+        <p:spPr>
+          <a:xfrm>
+            <a:off x="5785757" y="2114051"/>
+            <a:ext cx="2667000" cy="1181100"/>
+          </a:xfrm>
+          <a:prstGeom prst="rect">
+            <a:avLst/>
+          </a:prstGeom>
+        </p:spPr>
+      </p:pic>
+      <p:pic>
+        <p:nvPicPr>
+          <p:cNvPr id="5" name="그림 4">
+            <a:extLst>
+              <a:ext uri="{FF2B5EF4-FFF2-40B4-BE49-F238E27FC236}">
+                <a16:creationId xmlns:a16="http://schemas.microsoft.com/office/drawing/2014/main" id="{E19F557A-55BC-1F2B-4D74-BCA9F2236B68}"/>
+              </a:ext>
+            </a:extLst>
+          </p:cNvPr>
+          <p:cNvPicPr>
+            <a:picLocks noChangeAspect="1"/>
+          </p:cNvPicPr>
+          <p:nvPr/>
+        </p:nvPicPr>
+        <p:blipFill>
+          <a:blip r:embed="rId4"/>
+          <a:stretch>
+            <a:fillRect/>
+          </a:stretch>
+        </p:blipFill>
+        <p:spPr>
+          <a:xfrm>
+            <a:off x="1197429" y="4420587"/>
+            <a:ext cx="5651500" cy="558800"/>
+          </a:xfrm>
+          <a:prstGeom prst="rect">
+            <a:avLst/>
+          </a:prstGeom>
+        </p:spPr>
+      </p:pic>
+      <p:pic>
+        <p:nvPicPr>
+          <p:cNvPr id="6" name="그림 5">
+            <a:extLst>
+              <a:ext uri="{FF2B5EF4-FFF2-40B4-BE49-F238E27FC236}">
+                <a16:creationId xmlns:a16="http://schemas.microsoft.com/office/drawing/2014/main" id="{A329B4FF-4E32-C615-18DF-601418E3847D}"/>
+              </a:ext>
+            </a:extLst>
+          </p:cNvPr>
+          <p:cNvPicPr>
+            <a:picLocks noChangeAspect="1"/>
+          </p:cNvPicPr>
+          <p:nvPr/>
+        </p:nvPicPr>
+        <p:blipFill>
+          <a:blip r:embed="rId5"/>
+          <a:stretch>
+            <a:fillRect/>
+          </a:stretch>
+        </p:blipFill>
+        <p:spPr>
+          <a:xfrm>
+            <a:off x="7357458" y="4420587"/>
+            <a:ext cx="1295400" cy="355600"/>
+          </a:xfrm>
+          <a:prstGeom prst="rect">
+            <a:avLst/>
+          </a:prstGeom>
+        </p:spPr>
+      </p:pic>
+    </p:spTree>
+    <p:extLst>
+      <p:ext uri="{BB962C8B-B14F-4D97-AF65-F5344CB8AC3E}">
+        <p14:creationId xmlns:p14="http://schemas.microsoft.com/office/powerpoint/2010/main" val="889282096"/>
       </p:ext>
     </p:extLst>
   </p:cSld>
@@ -4910,23 +7021,7 @@
             </a:r>
             <a:r>
               <a:rPr kumimoji="1" lang="ko-KR" altLang="en-US" dirty="0"/>
-              <a:t>문을 </a:t>
-            </a:r>
-            <a:r>
-              <a:rPr kumimoji="1" lang="ko-KR" altLang="en-US" dirty="0" err="1"/>
-              <a:t>한줄로</a:t>
-            </a:r>
-            <a:r>
-              <a:rPr kumimoji="1" lang="ko-KR" altLang="en-US" dirty="0"/>
-              <a:t> 간단하게 표현하고 </a:t>
-            </a:r>
-            <a:r>
-              <a:rPr kumimoji="1" lang="ko-KR" altLang="en-US" dirty="0" err="1"/>
-              <a:t>싶을때</a:t>
-            </a:r>
-            <a:r>
-              <a:rPr kumimoji="1" lang="ko-KR" altLang="en-US" dirty="0"/>
-              <a:t> 사용되는 연산자</a:t>
+              <a:t>문을 한 줄로 간단하게 표현하고 싶을 때 사용되는 연산자</a:t>
             </a:r>
             <a:endParaRPr kumimoji="1" lang="en-US" altLang="ko-KR" dirty="0"/>
           </a:p>
@@ -5205,15 +7300,7 @@
             </a:pPr>
             <a:r>
               <a:rPr kumimoji="1" lang="ko-KR" altLang="en-US" dirty="0"/>
-              <a:t>조건이 </a:t>
-            </a:r>
-            <a:r>
-              <a:rPr kumimoji="1" lang="ko-KR" altLang="en-US" dirty="0" err="1"/>
-              <a:t>참일경우</a:t>
-            </a:r>
-            <a:r>
-              <a:rPr kumimoji="1" lang="ko-KR" altLang="en-US" dirty="0"/>
-              <a:t> 특정 명령을 반복하기 위한 명령</a:t>
+              <a:t>조건이 참 일 경우 특정 명령을 반복하기 위한 명령</a:t>
             </a:r>
             <a:endParaRPr kumimoji="1" lang="en-US" altLang="ko-KR" dirty="0"/>
           </a:p>
